--- a/results/figures/pptx/treatment_timing.pptx
+++ b/results/figures/pptx/treatment_timing.pptx
@@ -2306,8 +2306,8 @@
           </p:nvSpPr>
           <p:spPr>
             <a:xfrm>
-              <a:off x="1234269" y="4693588"/>
-              <a:ext cx="949086" cy="837573"/>
+              <a:off x="1234269" y="4708544"/>
+              <a:ext cx="949086" cy="822616"/>
             </a:xfrm>
             <a:prstGeom prst="rect">
               <a:avLst/>
@@ -2358,8 +2358,8 @@
           </p:nvSpPr>
           <p:spPr>
             <a:xfrm>
-              <a:off x="3343351" y="4170104"/>
-              <a:ext cx="949086" cy="1361057"/>
+              <a:off x="3343351" y="3827169"/>
+              <a:ext cx="949086" cy="1703992"/>
             </a:xfrm>
             <a:prstGeom prst="rect">
               <a:avLst/>
@@ -2384,8 +2384,8 @@
           </p:nvSpPr>
           <p:spPr>
             <a:xfrm>
-              <a:off x="4397892" y="4745936"/>
-              <a:ext cx="949086" cy="785225"/>
+              <a:off x="4397892" y="4591028"/>
+              <a:ext cx="949086" cy="940133"/>
             </a:xfrm>
             <a:prstGeom prst="rect">
               <a:avLst/>
@@ -2410,8 +2410,8 @@
           </p:nvSpPr>
           <p:spPr>
             <a:xfrm>
-              <a:off x="5452433" y="4955329"/>
-              <a:ext cx="949086" cy="575831"/>
+              <a:off x="5452433" y="4708544"/>
+              <a:ext cx="949086" cy="822616"/>
             </a:xfrm>
             <a:prstGeom prst="rect">
               <a:avLst/>
@@ -2436,8 +2436,8 @@
           </p:nvSpPr>
           <p:spPr>
             <a:xfrm>
-              <a:off x="6506974" y="3489576"/>
-              <a:ext cx="949086" cy="2041585"/>
+              <a:off x="6506974" y="3357102"/>
+              <a:ext cx="949086" cy="2174059"/>
             </a:xfrm>
             <a:prstGeom prst="rect">
               <a:avLst/>
@@ -2462,7 +2462,283 @@
           </p:nvSpPr>
           <p:spPr>
             <a:xfrm>
-              <a:off x="1608330" y="4106599"/>
+              <a:off x="1608330" y="4123761"/>
+              <a:ext cx="200965" cy="129860"/>
+            </a:xfrm>
+            <a:prstGeom prst="rect">
+              <a:avLst/>
+            </a:prstGeom>
+            <a:noFill/>
+          </p:spPr>
+          <p:txBody>
+            <a:bodyPr lIns="0" rIns="0" tIns="0" bIns="0" anchorCtr="1" anchor="ctr" wrap="none"/>
+            <a:lstStyle/>
+            <a:p>
+              <a:pPr algn="l" marL="0" marR="0" indent="0">
+                <a:lnSpc>
+                  <a:spcPts val="1422"/>
+                </a:lnSpc>
+                <a:spcBef>
+                  <a:spcPts val="0"/>
+                </a:spcBef>
+                <a:spcAft>
+                  <a:spcPts val="0"/>
+                </a:spcAft>
+              </a:pPr>
+              <a:r>
+                <a:rPr sz="1422">
+                  <a:solidFill>
+                    <a:srgbClr val="000000">
+                      <a:alpha val="100000"/>
+                    </a:srgbClr>
+                  </a:solidFill>
+                  <a:latin typeface="Arial"/>
+                  <a:cs typeface="Arial"/>
+                </a:rPr>
+                <a:t>14</a:t>
+              </a:r>
+            </a:p>
+          </p:txBody>
+        </p:sp>
+        <p:sp>
+          <p:nvSpPr>
+            <p:cNvPr id="12" name="tx12"/>
+            <p:cNvSpPr/>
+            <p:nvPr/>
+          </p:nvSpPr>
+          <p:spPr>
+            <a:xfrm>
+              <a:off x="1518080" y="4344234"/>
+              <a:ext cx="381464" cy="169559"/>
+            </a:xfrm>
+            <a:prstGeom prst="rect">
+              <a:avLst/>
+            </a:prstGeom>
+            <a:noFill/>
+          </p:spPr>
+          <p:txBody>
+            <a:bodyPr lIns="0" rIns="0" tIns="0" bIns="0" anchorCtr="1" anchor="ctr" wrap="none"/>
+            <a:lstStyle/>
+            <a:p>
+              <a:pPr algn="l" marL="0" marR="0" indent="0">
+                <a:lnSpc>
+                  <a:spcPts val="1422"/>
+                </a:lnSpc>
+                <a:spcBef>
+                  <a:spcPts val="0"/>
+                </a:spcBef>
+                <a:spcAft>
+                  <a:spcPts val="0"/>
+                </a:spcAft>
+              </a:pPr>
+              <a:r>
+                <a:rPr sz="1422">
+                  <a:solidFill>
+                    <a:srgbClr val="000000">
+                      <a:alpha val="100000"/>
+                    </a:srgbClr>
+                  </a:solidFill>
+                  <a:latin typeface="Arial"/>
+                  <a:cs typeface="Arial"/>
+                </a:rPr>
+                <a:t>(9%)</a:t>
+              </a:r>
+            </a:p>
+          </p:txBody>
+        </p:sp>
+        <p:sp>
+          <p:nvSpPr>
+            <p:cNvPr id="13" name="tx13"/>
+            <p:cNvSpPr/>
+            <p:nvPr/>
+          </p:nvSpPr>
+          <p:spPr>
+            <a:xfrm>
+              <a:off x="2662871" y="2065013"/>
+              <a:ext cx="200965" cy="132065"/>
+            </a:xfrm>
+            <a:prstGeom prst="rect">
+              <a:avLst/>
+            </a:prstGeom>
+            <a:noFill/>
+          </p:spPr>
+          <p:txBody>
+            <a:bodyPr lIns="0" rIns="0" tIns="0" bIns="0" anchorCtr="1" anchor="ctr" wrap="none"/>
+            <a:lstStyle/>
+            <a:p>
+              <a:pPr algn="l" marL="0" marR="0" indent="0">
+                <a:lnSpc>
+                  <a:spcPts val="1422"/>
+                </a:lnSpc>
+                <a:spcBef>
+                  <a:spcPts val="0"/>
+                </a:spcBef>
+                <a:spcAft>
+                  <a:spcPts val="0"/>
+                </a:spcAft>
+              </a:pPr>
+              <a:r>
+                <a:rPr sz="1422">
+                  <a:solidFill>
+                    <a:srgbClr val="000000">
+                      <a:alpha val="100000"/>
+                    </a:srgbClr>
+                  </a:solidFill>
+                  <a:latin typeface="Arial"/>
+                  <a:cs typeface="Arial"/>
+                </a:rPr>
+                <a:t>49</a:t>
+              </a:r>
+            </a:p>
+          </p:txBody>
+        </p:sp>
+        <p:sp>
+          <p:nvSpPr>
+            <p:cNvPr id="14" name="tx14"/>
+            <p:cNvSpPr/>
+            <p:nvPr/>
+          </p:nvSpPr>
+          <p:spPr>
+            <a:xfrm>
+              <a:off x="2522380" y="2287691"/>
+              <a:ext cx="481947" cy="169559"/>
+            </a:xfrm>
+            <a:prstGeom prst="rect">
+              <a:avLst/>
+            </a:prstGeom>
+            <a:noFill/>
+          </p:spPr>
+          <p:txBody>
+            <a:bodyPr lIns="0" rIns="0" tIns="0" bIns="0" anchorCtr="1" anchor="ctr" wrap="none"/>
+            <a:lstStyle/>
+            <a:p>
+              <a:pPr algn="l" marL="0" marR="0" indent="0">
+                <a:lnSpc>
+                  <a:spcPts val="1422"/>
+                </a:lnSpc>
+                <a:spcBef>
+                  <a:spcPts val="0"/>
+                </a:spcBef>
+                <a:spcAft>
+                  <a:spcPts val="0"/>
+                </a:spcAft>
+              </a:pPr>
+              <a:r>
+                <a:rPr sz="1422">
+                  <a:solidFill>
+                    <a:srgbClr val="000000">
+                      <a:alpha val="100000"/>
+                    </a:srgbClr>
+                  </a:solidFill>
+                  <a:latin typeface="Arial"/>
+                  <a:cs typeface="Arial"/>
+                </a:rPr>
+                <a:t>(31%)</a:t>
+              </a:r>
+            </a:p>
+          </p:txBody>
+        </p:sp>
+        <p:sp>
+          <p:nvSpPr>
+            <p:cNvPr id="15" name="tx15"/>
+            <p:cNvSpPr/>
+            <p:nvPr/>
+          </p:nvSpPr>
+          <p:spPr>
+            <a:xfrm>
+              <a:off x="3717412" y="3240180"/>
+              <a:ext cx="200965" cy="132065"/>
+            </a:xfrm>
+            <a:prstGeom prst="rect">
+              <a:avLst/>
+            </a:prstGeom>
+            <a:noFill/>
+          </p:spPr>
+          <p:txBody>
+            <a:bodyPr lIns="0" rIns="0" tIns="0" bIns="0" anchorCtr="1" anchor="ctr" wrap="none"/>
+            <a:lstStyle/>
+            <a:p>
+              <a:pPr algn="l" marL="0" marR="0" indent="0">
+                <a:lnSpc>
+                  <a:spcPts val="1422"/>
+                </a:lnSpc>
+                <a:spcBef>
+                  <a:spcPts val="0"/>
+                </a:spcBef>
+                <a:spcAft>
+                  <a:spcPts val="0"/>
+                </a:spcAft>
+              </a:pPr>
+              <a:r>
+                <a:rPr sz="1422">
+                  <a:solidFill>
+                    <a:srgbClr val="000000">
+                      <a:alpha val="100000"/>
+                    </a:srgbClr>
+                  </a:solidFill>
+                  <a:latin typeface="Arial"/>
+                  <a:cs typeface="Arial"/>
+                </a:rPr>
+                <a:t>29</a:t>
+              </a:r>
+            </a:p>
+          </p:txBody>
+        </p:sp>
+        <p:sp>
+          <p:nvSpPr>
+            <p:cNvPr id="16" name="tx16"/>
+            <p:cNvSpPr/>
+            <p:nvPr/>
+          </p:nvSpPr>
+          <p:spPr>
+            <a:xfrm>
+              <a:off x="3576921" y="3462858"/>
+              <a:ext cx="481947" cy="169559"/>
+            </a:xfrm>
+            <a:prstGeom prst="rect">
+              <a:avLst/>
+            </a:prstGeom>
+            <a:noFill/>
+          </p:spPr>
+          <p:txBody>
+            <a:bodyPr lIns="0" rIns="0" tIns="0" bIns="0" anchorCtr="1" anchor="ctr" wrap="none"/>
+            <a:lstStyle/>
+            <a:p>
+              <a:pPr algn="l" marL="0" marR="0" indent="0">
+                <a:lnSpc>
+                  <a:spcPts val="1422"/>
+                </a:lnSpc>
+                <a:spcBef>
+                  <a:spcPts val="0"/>
+                </a:spcBef>
+                <a:spcAft>
+                  <a:spcPts val="0"/>
+                </a:spcAft>
+              </a:pPr>
+              <a:r>
+                <a:rPr sz="1422">
+                  <a:solidFill>
+                    <a:srgbClr val="000000">
+                      <a:alpha val="100000"/>
+                    </a:srgbClr>
+                  </a:solidFill>
+                  <a:latin typeface="Arial"/>
+                  <a:cs typeface="Arial"/>
+                </a:rPr>
+                <a:t>(18%)</a:t>
+              </a:r>
+            </a:p>
+          </p:txBody>
+        </p:sp>
+        <p:sp>
+          <p:nvSpPr>
+            <p:cNvPr id="17" name="tx17"/>
+            <p:cNvSpPr/>
+            <p:nvPr/>
+          </p:nvSpPr>
+          <p:spPr>
+            <a:xfrm>
+              <a:off x="4771953" y="4004039"/>
               <a:ext cx="200965" cy="132065"/>
             </a:xfrm>
             <a:prstGeom prst="rect">
@@ -2502,13 +2778,13 @@
         </p:sp>
         <p:sp>
           <p:nvSpPr>
-            <p:cNvPr id="12" name="tx12"/>
-            <p:cNvSpPr/>
-            <p:nvPr/>
-          </p:nvSpPr>
-          <p:spPr>
-            <a:xfrm>
-              <a:off x="1467839" y="4329277"/>
+            <p:cNvPr id="18" name="tx18"/>
+            <p:cNvSpPr/>
+            <p:nvPr/>
+          </p:nvSpPr>
+          <p:spPr>
+            <a:xfrm>
+              <a:off x="4631462" y="4226717"/>
               <a:ext cx="481947" cy="169559"/>
             </a:xfrm>
             <a:prstGeom prst="rect">
@@ -2548,14 +2824,14 @@
         </p:sp>
         <p:sp>
           <p:nvSpPr>
-            <p:cNvPr id="13" name="tx13"/>
-            <p:cNvSpPr/>
-            <p:nvPr/>
-          </p:nvSpPr>
-          <p:spPr>
-            <a:xfrm>
-              <a:off x="2662871" y="2067307"/>
-              <a:ext cx="200965" cy="129771"/>
+            <p:cNvPr id="19" name="tx19"/>
+            <p:cNvSpPr/>
+            <p:nvPr/>
+          </p:nvSpPr>
+          <p:spPr>
+            <a:xfrm>
+              <a:off x="5826494" y="4123761"/>
+              <a:ext cx="200965" cy="129860"/>
             </a:xfrm>
             <a:prstGeom prst="rect">
               <a:avLst/>
@@ -2587,204 +2863,20 @@
                   <a:latin typeface="Arial"/>
                   <a:cs typeface="Arial"/>
                 </a:rPr>
-                <a:t>55</a:t>
+                <a:t>14</a:t>
               </a:r>
             </a:p>
           </p:txBody>
         </p:sp>
         <p:sp>
           <p:nvSpPr>
-            <p:cNvPr id="14" name="tx14"/>
-            <p:cNvSpPr/>
-            <p:nvPr/>
-          </p:nvSpPr>
-          <p:spPr>
-            <a:xfrm>
-              <a:off x="2522380" y="2287691"/>
-              <a:ext cx="481947" cy="169559"/>
-            </a:xfrm>
-            <a:prstGeom prst="rect">
-              <a:avLst/>
-            </a:prstGeom>
-            <a:noFill/>
-          </p:spPr>
-          <p:txBody>
-            <a:bodyPr lIns="0" rIns="0" tIns="0" bIns="0" anchorCtr="1" anchor="ctr" wrap="none"/>
-            <a:lstStyle/>
-            <a:p>
-              <a:pPr algn="l" marL="0" marR="0" indent="0">
-                <a:lnSpc>
-                  <a:spcPts val="1422"/>
-                </a:lnSpc>
-                <a:spcBef>
-                  <a:spcPts val="0"/>
-                </a:spcBef>
-                <a:spcAft>
-                  <a:spcPts val="0"/>
-                </a:spcAft>
-              </a:pPr>
-              <a:r>
-                <a:rPr sz="1422">
-                  <a:solidFill>
-                    <a:srgbClr val="000000">
-                      <a:alpha val="100000"/>
-                    </a:srgbClr>
-                  </a:solidFill>
-                  <a:latin typeface="Arial"/>
-                  <a:cs typeface="Arial"/>
-                </a:rPr>
-                <a:t>(34%)</a:t>
-              </a:r>
-            </a:p>
-          </p:txBody>
-        </p:sp>
-        <p:sp>
-          <p:nvSpPr>
-            <p:cNvPr id="15" name="tx15"/>
-            <p:cNvSpPr/>
-            <p:nvPr/>
-          </p:nvSpPr>
-          <p:spPr>
-            <a:xfrm>
-              <a:off x="3717412" y="3583115"/>
-              <a:ext cx="200965" cy="132065"/>
-            </a:xfrm>
-            <a:prstGeom prst="rect">
-              <a:avLst/>
-            </a:prstGeom>
-            <a:noFill/>
-          </p:spPr>
-          <p:txBody>
-            <a:bodyPr lIns="0" rIns="0" tIns="0" bIns="0" anchorCtr="1" anchor="ctr" wrap="none"/>
-            <a:lstStyle/>
-            <a:p>
-              <a:pPr algn="l" marL="0" marR="0" indent="0">
-                <a:lnSpc>
-                  <a:spcPts val="1422"/>
-                </a:lnSpc>
-                <a:spcBef>
-                  <a:spcPts val="0"/>
-                </a:spcBef>
-                <a:spcAft>
-                  <a:spcPts val="0"/>
-                </a:spcAft>
-              </a:pPr>
-              <a:r>
-                <a:rPr sz="1422">
-                  <a:solidFill>
-                    <a:srgbClr val="000000">
-                      <a:alpha val="100000"/>
-                    </a:srgbClr>
-                  </a:solidFill>
-                  <a:latin typeface="Arial"/>
-                  <a:cs typeface="Arial"/>
-                </a:rPr>
-                <a:t>26</a:t>
-              </a:r>
-            </a:p>
-          </p:txBody>
-        </p:sp>
-        <p:sp>
-          <p:nvSpPr>
-            <p:cNvPr id="16" name="tx16"/>
-            <p:cNvSpPr/>
-            <p:nvPr/>
-          </p:nvSpPr>
-          <p:spPr>
-            <a:xfrm>
-              <a:off x="3576921" y="3805793"/>
-              <a:ext cx="481947" cy="169559"/>
-            </a:xfrm>
-            <a:prstGeom prst="rect">
-              <a:avLst/>
-            </a:prstGeom>
-            <a:noFill/>
-          </p:spPr>
-          <p:txBody>
-            <a:bodyPr lIns="0" rIns="0" tIns="0" bIns="0" anchorCtr="1" anchor="ctr" wrap="none"/>
-            <a:lstStyle/>
-            <a:p>
-              <a:pPr algn="l" marL="0" marR="0" indent="0">
-                <a:lnSpc>
-                  <a:spcPts val="1422"/>
-                </a:lnSpc>
-                <a:spcBef>
-                  <a:spcPts val="0"/>
-                </a:spcBef>
-                <a:spcAft>
-                  <a:spcPts val="0"/>
-                </a:spcAft>
-              </a:pPr>
-              <a:r>
-                <a:rPr sz="1422">
-                  <a:solidFill>
-                    <a:srgbClr val="000000">
-                      <a:alpha val="100000"/>
-                    </a:srgbClr>
-                  </a:solidFill>
-                  <a:latin typeface="Arial"/>
-                  <a:cs typeface="Arial"/>
-                </a:rPr>
-                <a:t>(16%)</a:t>
-              </a:r>
-            </a:p>
-          </p:txBody>
-        </p:sp>
-        <p:sp>
-          <p:nvSpPr>
-            <p:cNvPr id="17" name="tx17"/>
-            <p:cNvSpPr/>
-            <p:nvPr/>
-          </p:nvSpPr>
-          <p:spPr>
-            <a:xfrm>
-              <a:off x="4771953" y="4158947"/>
-              <a:ext cx="200965" cy="132065"/>
-            </a:xfrm>
-            <a:prstGeom prst="rect">
-              <a:avLst/>
-            </a:prstGeom>
-            <a:noFill/>
-          </p:spPr>
-          <p:txBody>
-            <a:bodyPr lIns="0" rIns="0" tIns="0" bIns="0" anchorCtr="1" anchor="ctr" wrap="none"/>
-            <a:lstStyle/>
-            <a:p>
-              <a:pPr algn="l" marL="0" marR="0" indent="0">
-                <a:lnSpc>
-                  <a:spcPts val="1422"/>
-                </a:lnSpc>
-                <a:spcBef>
-                  <a:spcPts val="0"/>
-                </a:spcBef>
-                <a:spcAft>
-                  <a:spcPts val="0"/>
-                </a:spcAft>
-              </a:pPr>
-              <a:r>
-                <a:rPr sz="1422">
-                  <a:solidFill>
-                    <a:srgbClr val="000000">
-                      <a:alpha val="100000"/>
-                    </a:srgbClr>
-                  </a:solidFill>
-                  <a:latin typeface="Arial"/>
-                  <a:cs typeface="Arial"/>
-                </a:rPr>
-                <a:t>15</a:t>
-              </a:r>
-            </a:p>
-          </p:txBody>
-        </p:sp>
-        <p:sp>
-          <p:nvSpPr>
-            <p:cNvPr id="18" name="tx18"/>
-            <p:cNvSpPr/>
-            <p:nvPr/>
-          </p:nvSpPr>
-          <p:spPr>
-            <a:xfrm>
-              <a:off x="4681704" y="4381625"/>
+            <p:cNvPr id="20" name="tx20"/>
+            <p:cNvSpPr/>
+            <p:nvPr/>
+          </p:nvSpPr>
+          <p:spPr>
+            <a:xfrm>
+              <a:off x="5736245" y="4344234"/>
               <a:ext cx="381464" cy="169559"/>
             </a:xfrm>
             <a:prstGeom prst="rect">
@@ -2824,14 +2916,14 @@
         </p:sp>
         <p:sp>
           <p:nvSpPr>
-            <p:cNvPr id="19" name="tx19"/>
-            <p:cNvSpPr/>
-            <p:nvPr/>
-          </p:nvSpPr>
-          <p:spPr>
-            <a:xfrm>
-              <a:off x="5826494" y="4370546"/>
-              <a:ext cx="200965" cy="129860"/>
+            <p:cNvPr id="21" name="tx21"/>
+            <p:cNvSpPr/>
+            <p:nvPr/>
+          </p:nvSpPr>
+          <p:spPr>
+            <a:xfrm>
+              <a:off x="6881035" y="2770025"/>
+              <a:ext cx="200965" cy="132153"/>
             </a:xfrm>
             <a:prstGeom prst="rect">
               <a:avLst/>
@@ -2863,21 +2955,21 @@
                   <a:latin typeface="Arial"/>
                   <a:cs typeface="Arial"/>
                 </a:rPr>
-                <a:t>11</a:t>
+                <a:t>37</a:t>
               </a:r>
             </a:p>
           </p:txBody>
         </p:sp>
         <p:sp>
           <p:nvSpPr>
-            <p:cNvPr id="20" name="tx20"/>
-            <p:cNvSpPr/>
-            <p:nvPr/>
-          </p:nvSpPr>
-          <p:spPr>
-            <a:xfrm>
-              <a:off x="5736245" y="4591019"/>
-              <a:ext cx="381464" cy="169559"/>
+            <p:cNvPr id="22" name="tx22"/>
+            <p:cNvSpPr/>
+            <p:nvPr/>
+          </p:nvSpPr>
+          <p:spPr>
+            <a:xfrm>
+              <a:off x="6740544" y="2992792"/>
+              <a:ext cx="481947" cy="169559"/>
             </a:xfrm>
             <a:prstGeom prst="rect">
               <a:avLst/>
@@ -2909,99 +3001,7 @@
                   <a:latin typeface="Arial"/>
                   <a:cs typeface="Arial"/>
                 </a:rPr>
-                <a:t>(7%)</a:t>
-              </a:r>
-            </a:p>
-          </p:txBody>
-        </p:sp>
-        <p:sp>
-          <p:nvSpPr>
-            <p:cNvPr id="21" name="tx21"/>
-            <p:cNvSpPr/>
-            <p:nvPr/>
-          </p:nvSpPr>
-          <p:spPr>
-            <a:xfrm>
-              <a:off x="6881035" y="2902498"/>
-              <a:ext cx="200965" cy="132153"/>
-            </a:xfrm>
-            <a:prstGeom prst="rect">
-              <a:avLst/>
-            </a:prstGeom>
-            <a:noFill/>
-          </p:spPr>
-          <p:txBody>
-            <a:bodyPr lIns="0" rIns="0" tIns="0" bIns="0" anchorCtr="1" anchor="ctr" wrap="none"/>
-            <a:lstStyle/>
-            <a:p>
-              <a:pPr algn="l" marL="0" marR="0" indent="0">
-                <a:lnSpc>
-                  <a:spcPts val="1422"/>
-                </a:lnSpc>
-                <a:spcBef>
-                  <a:spcPts val="0"/>
-                </a:spcBef>
-                <a:spcAft>
-                  <a:spcPts val="0"/>
-                </a:spcAft>
-              </a:pPr>
-              <a:r>
-                <a:rPr sz="1422">
-                  <a:solidFill>
-                    <a:srgbClr val="000000">
-                      <a:alpha val="100000"/>
-                    </a:srgbClr>
-                  </a:solidFill>
-                  <a:latin typeface="Arial"/>
-                  <a:cs typeface="Arial"/>
-                </a:rPr>
-                <a:t>39</a:t>
-              </a:r>
-            </a:p>
-          </p:txBody>
-        </p:sp>
-        <p:sp>
-          <p:nvSpPr>
-            <p:cNvPr id="22" name="tx22"/>
-            <p:cNvSpPr/>
-            <p:nvPr/>
-          </p:nvSpPr>
-          <p:spPr>
-            <a:xfrm>
-              <a:off x="6740544" y="3125265"/>
-              <a:ext cx="481947" cy="169559"/>
-            </a:xfrm>
-            <a:prstGeom prst="rect">
-              <a:avLst/>
-            </a:prstGeom>
-            <a:noFill/>
-          </p:spPr>
-          <p:txBody>
-            <a:bodyPr lIns="0" rIns="0" tIns="0" bIns="0" anchorCtr="1" anchor="ctr" wrap="none"/>
-            <a:lstStyle/>
-            <a:p>
-              <a:pPr algn="l" marL="0" marR="0" indent="0">
-                <a:lnSpc>
-                  <a:spcPts val="1422"/>
-                </a:lnSpc>
-                <a:spcBef>
-                  <a:spcPts val="0"/>
-                </a:spcBef>
-                <a:spcAft>
-                  <a:spcPts val="0"/>
-                </a:spcAft>
-              </a:pPr>
-              <a:r>
-                <a:rPr sz="1422">
-                  <a:solidFill>
-                    <a:srgbClr val="000000">
-                      <a:alpha val="100000"/>
-                    </a:srgbClr>
-                  </a:solidFill>
-                  <a:latin typeface="Arial"/>
-                  <a:cs typeface="Arial"/>
-                </a:rPr>
-                <a:t>(24%)</a:t>
+                <a:t>(23%)</a:t>
               </a:r>
             </a:p>
           </p:txBody>
@@ -3100,7 +3100,7 @@
           </p:nvSpPr>
           <p:spPr>
             <a:xfrm>
-              <a:off x="824331" y="4427342"/>
+              <a:off x="824331" y="4299142"/>
               <a:ext cx="169515" cy="111397"/>
             </a:xfrm>
             <a:prstGeom prst="rect">
@@ -3146,7 +3146,7 @@
           </p:nvSpPr>
           <p:spPr>
             <a:xfrm>
-              <a:off x="824331" y="3380375"/>
+              <a:off x="824331" y="3123975"/>
               <a:ext cx="169515" cy="111397"/>
             </a:xfrm>
             <a:prstGeom prst="rect">
@@ -3192,7 +3192,7 @@
           </p:nvSpPr>
           <p:spPr>
             <a:xfrm>
-              <a:off x="824331" y="2333408"/>
+              <a:off x="824331" y="1948808"/>
               <a:ext cx="169515" cy="111397"/>
             </a:xfrm>
             <a:prstGeom prst="rect">
@@ -3278,7 +3278,7 @@
           </p:nvSpPr>
           <p:spPr>
             <a:xfrm>
-              <a:off x="1031804" y="4484194"/>
+              <a:off x="1031804" y="4355994"/>
               <a:ext cx="44283" cy="0"/>
             </a:xfrm>
             <a:custGeom>
@@ -3318,7 +3318,7 @@
           </p:nvSpPr>
           <p:spPr>
             <a:xfrm>
-              <a:off x="1031804" y="3437227"/>
+              <a:off x="1031804" y="3180827"/>
               <a:ext cx="44283" cy="0"/>
             </a:xfrm>
             <a:custGeom>
@@ -3358,7 +3358,7 @@
           </p:nvSpPr>
           <p:spPr>
             <a:xfrm>
-              <a:off x="1031804" y="2390260"/>
+              <a:off x="1031804" y="2005660"/>
               <a:ext cx="44283" cy="0"/>
             </a:xfrm>
             <a:custGeom>
@@ -4125,7 +4125,7 @@
                   <a:latin typeface="Arial"/>
                   <a:cs typeface="Arial"/>
                 </a:rPr>
-                <a:t>162)</a:t>
+                <a:t>159)</a:t>
               </a:r>
             </a:p>
           </p:txBody>
@@ -4138,8 +4138,8 @@
           </p:nvSpPr>
           <p:spPr>
             <a:xfrm>
-              <a:off x="1234269" y="9881617"/>
-              <a:ext cx="949086" cy="1066355"/>
+              <a:off x="1234269" y="10201524"/>
+              <a:ext cx="949086" cy="746448"/>
             </a:xfrm>
             <a:prstGeom prst="rect">
               <a:avLst/>
@@ -4190,8 +4190,8 @@
           </p:nvSpPr>
           <p:spPr>
             <a:xfrm>
-              <a:off x="3343351" y="8975215"/>
-              <a:ext cx="949086" cy="1972757"/>
+              <a:off x="3343351" y="8868579"/>
+              <a:ext cx="949086" cy="2079392"/>
             </a:xfrm>
             <a:prstGeom prst="rect">
               <a:avLst/>
@@ -4216,8 +4216,8 @@
           </p:nvSpPr>
           <p:spPr>
             <a:xfrm>
-              <a:off x="4397892" y="10414795"/>
-              <a:ext cx="949086" cy="533177"/>
+              <a:off x="4397892" y="10254841"/>
+              <a:ext cx="949086" cy="693130"/>
             </a:xfrm>
             <a:prstGeom prst="rect">
               <a:avLst/>
@@ -4242,8 +4242,8 @@
           </p:nvSpPr>
           <p:spPr>
             <a:xfrm>
-              <a:off x="5452433" y="10414795"/>
-              <a:ext cx="949086" cy="533177"/>
+              <a:off x="5452433" y="10361477"/>
+              <a:ext cx="949086" cy="586495"/>
             </a:xfrm>
             <a:prstGeom prst="rect">
               <a:avLst/>
@@ -4268,8 +4268,8 @@
           </p:nvSpPr>
           <p:spPr>
             <a:xfrm>
-              <a:off x="6506974" y="9295122"/>
-              <a:ext cx="949086" cy="1652850"/>
+              <a:off x="6506974" y="9455075"/>
+              <a:ext cx="949086" cy="1492897"/>
             </a:xfrm>
             <a:prstGeom prst="rect">
               <a:avLst/>
@@ -4294,8 +4294,8 @@
           </p:nvSpPr>
           <p:spPr>
             <a:xfrm>
-              <a:off x="1608330" y="9294628"/>
-              <a:ext cx="200965" cy="132065"/>
+              <a:off x="1608330" y="9616740"/>
+              <a:ext cx="200965" cy="129860"/>
             </a:xfrm>
             <a:prstGeom prst="rect">
               <a:avLst/>
@@ -4327,7 +4327,7 @@
                   <a:latin typeface="Arial"/>
                   <a:cs typeface="Arial"/>
                 </a:rPr>
-                <a:t>20</a:t>
+                <a:t>14</a:t>
               </a:r>
             </a:p>
           </p:txBody>
@@ -4340,8 +4340,8 @@
           </p:nvSpPr>
           <p:spPr>
             <a:xfrm>
-              <a:off x="1467839" y="9517306"/>
-              <a:ext cx="481947" cy="169559"/>
+              <a:off x="1518080" y="9837213"/>
+              <a:ext cx="381464" cy="169559"/>
             </a:xfrm>
             <a:prstGeom prst="rect">
               <a:avLst/>
@@ -4373,7 +4373,7 @@
                   <a:latin typeface="Arial"/>
                   <a:cs typeface="Arial"/>
                 </a:rPr>
-                <a:t>(12%)</a:t>
+                <a:t>(9%)</a:t>
               </a:r>
             </a:p>
           </p:txBody>
@@ -4465,7 +4465,7 @@
                   <a:latin typeface="Arial"/>
                   <a:cs typeface="Arial"/>
                 </a:rPr>
-                <a:t>(33%)</a:t>
+                <a:t>(34%)</a:t>
               </a:r>
             </a:p>
           </p:txBody>
@@ -4478,7 +4478,7 @@
           </p:nvSpPr>
           <p:spPr>
             <a:xfrm>
-              <a:off x="3717412" y="8388138"/>
+              <a:off x="3717412" y="8281502"/>
               <a:ext cx="200965" cy="132153"/>
             </a:xfrm>
             <a:prstGeom prst="rect">
@@ -4511,7 +4511,7 @@
                   <a:latin typeface="Arial"/>
                   <a:cs typeface="Arial"/>
                 </a:rPr>
-                <a:t>37</a:t>
+                <a:t>39</a:t>
               </a:r>
             </a:p>
           </p:txBody>
@@ -4524,7 +4524,7 @@
           </p:nvSpPr>
           <p:spPr>
             <a:xfrm>
-              <a:off x="3576921" y="8610904"/>
+              <a:off x="3576921" y="8504269"/>
               <a:ext cx="481947" cy="169559"/>
             </a:xfrm>
             <a:prstGeom prst="rect">
@@ -4557,7 +4557,7 @@
                   <a:latin typeface="Arial"/>
                   <a:cs typeface="Arial"/>
                 </a:rPr>
-                <a:t>(23%)</a:t>
+                <a:t>(25%)</a:t>
               </a:r>
             </a:p>
           </p:txBody>
@@ -4570,8 +4570,8 @@
           </p:nvSpPr>
           <p:spPr>
             <a:xfrm>
-              <a:off x="4771953" y="9827805"/>
-              <a:ext cx="200965" cy="132065"/>
+              <a:off x="4771953" y="9667764"/>
+              <a:ext cx="200965" cy="132153"/>
             </a:xfrm>
             <a:prstGeom prst="rect">
               <a:avLst/>
@@ -4603,7 +4603,7 @@
                   <a:latin typeface="Arial"/>
                   <a:cs typeface="Arial"/>
                 </a:rPr>
-                <a:t>10</a:t>
+                <a:t>13</a:t>
               </a:r>
             </a:p>
           </p:txBody>
@@ -4616,7 +4616,7 @@
           </p:nvSpPr>
           <p:spPr>
             <a:xfrm>
-              <a:off x="4681704" y="10050484"/>
+              <a:off x="4681704" y="9890531"/>
               <a:ext cx="381464" cy="169559"/>
             </a:xfrm>
             <a:prstGeom prst="rect">
@@ -4649,7 +4649,7 @@
                   <a:latin typeface="Arial"/>
                   <a:cs typeface="Arial"/>
                 </a:rPr>
-                <a:t>(6%)</a:t>
+                <a:t>(8%)</a:t>
               </a:r>
             </a:p>
           </p:txBody>
@@ -4662,8 +4662,8 @@
           </p:nvSpPr>
           <p:spPr>
             <a:xfrm>
-              <a:off x="5826494" y="9827805"/>
-              <a:ext cx="200965" cy="132065"/>
+              <a:off x="5826494" y="9776693"/>
+              <a:ext cx="200965" cy="129860"/>
             </a:xfrm>
             <a:prstGeom prst="rect">
               <a:avLst/>
@@ -4695,7 +4695,7 @@
                   <a:latin typeface="Arial"/>
                   <a:cs typeface="Arial"/>
                 </a:rPr>
-                <a:t>10</a:t>
+                <a:t>11</a:t>
               </a:r>
             </a:p>
           </p:txBody>
@@ -4708,7 +4708,7 @@
           </p:nvSpPr>
           <p:spPr>
             <a:xfrm>
-              <a:off x="5736245" y="10050484"/>
+              <a:off x="5736245" y="9997166"/>
               <a:ext cx="381464" cy="169559"/>
             </a:xfrm>
             <a:prstGeom prst="rect">
@@ -4741,7 +4741,7 @@
                   <a:latin typeface="Arial"/>
                   <a:cs typeface="Arial"/>
                 </a:rPr>
-                <a:t>(6%)</a:t>
+                <a:t>(7%)</a:t>
               </a:r>
             </a:p>
           </p:txBody>
@@ -4754,8 +4754,8 @@
           </p:nvSpPr>
           <p:spPr>
             <a:xfrm>
-              <a:off x="6881035" y="8708044"/>
-              <a:ext cx="200965" cy="132153"/>
+              <a:off x="6881035" y="8868086"/>
+              <a:ext cx="200965" cy="132065"/>
             </a:xfrm>
             <a:prstGeom prst="rect">
               <a:avLst/>
@@ -4787,7 +4787,7 @@
                   <a:latin typeface="Arial"/>
                   <a:cs typeface="Arial"/>
                 </a:rPr>
-                <a:t>31</a:t>
+                <a:t>28</a:t>
               </a:r>
             </a:p>
           </p:txBody>
@@ -4800,7 +4800,7 @@
           </p:nvSpPr>
           <p:spPr>
             <a:xfrm>
-              <a:off x="6740544" y="8930811"/>
+              <a:off x="6740544" y="9090764"/>
               <a:ext cx="481947" cy="169559"/>
             </a:xfrm>
             <a:prstGeom prst="rect">
@@ -4833,7 +4833,7 @@
                   <a:latin typeface="Arial"/>
                   <a:cs typeface="Arial"/>
                 </a:rPr>
-                <a:t>(19%)</a:t>
+                <a:t>(18%)</a:t>
               </a:r>
             </a:p>
           </p:txBody>
@@ -5957,7 +5957,7 @@
                   <a:latin typeface="Arial"/>
                   <a:cs typeface="Arial"/>
                 </a:rPr>
-                <a:t>162)</a:t>
+                <a:t>159)</a:t>
               </a:r>
             </a:p>
           </p:txBody>
